--- a/Presentación proyecto final .pptx
+++ b/Presentación proyecto final .pptx
@@ -6,7 +6,7 @@
     <p:sldMasterId id="2147483660" r:id="rId2"/>
   </p:sldMasterIdLst>
   <p:notesMasterIdLst>
-    <p:notesMasterId r:id="rId13"/>
+    <p:notesMasterId r:id="rId14"/>
   </p:notesMasterIdLst>
   <p:sldIdLst>
     <p:sldId id="256" r:id="rId3"/>
@@ -19,48 +19,51 @@
     <p:sldId id="3330" r:id="rId10"/>
     <p:sldId id="3331" r:id="rId11"/>
     <p:sldId id="3332" r:id="rId12"/>
+    <p:sldId id="3333" r:id="rId13"/>
   </p:sldIdLst>
   <p:sldSz cx="9144000" cy="5143500" type="screen16x9"/>
   <p:notesSz cx="6858000" cy="9144000"/>
   <p:embeddedFontLst>
     <p:embeddedFont>
       <p:font typeface="Calibri" panose="020F0502020204030204" pitchFamily="34" charset="0"/>
-      <p:regular r:id="rId14"/>
-      <p:bold r:id="rId15"/>
-      <p:italic r:id="rId16"/>
-      <p:boldItalic r:id="rId17"/>
+      <p:regular r:id="rId15"/>
+      <p:bold r:id="rId16"/>
+      <p:italic r:id="rId17"/>
+      <p:boldItalic r:id="rId18"/>
     </p:embeddedFont>
     <p:embeddedFont>
       <p:font typeface="Calibri Light" panose="020F0302020204030204" pitchFamily="34" charset="0"/>
-      <p:regular r:id="rId18"/>
-      <p:italic r:id="rId19"/>
+      <p:regular r:id="rId19"/>
+      <p:italic r:id="rId20"/>
     </p:embeddedFont>
     <p:embeddedFont>
       <p:font typeface="Lato Light" panose="020F0502020204030203" pitchFamily="34" charset="0"/>
-      <p:regular r:id="rId20"/>
-      <p:italic r:id="rId21"/>
+      <p:regular r:id="rId21"/>
+      <p:italic r:id="rId22"/>
     </p:embeddedFont>
     <p:embeddedFont>
       <p:font typeface="Maven Pro" panose="020B0604020202020204" charset="0"/>
-      <p:regular r:id="rId22"/>
-      <p:bold r:id="rId23"/>
+      <p:regular r:id="rId23"/>
+      <p:bold r:id="rId24"/>
     </p:embeddedFont>
     <p:embeddedFont>
       <p:font typeface="Nunito" pitchFamily="2" charset="0"/>
-      <p:regular r:id="rId24"/>
-      <p:bold r:id="rId25"/>
-      <p:italic r:id="rId26"/>
-      <p:boldItalic r:id="rId27"/>
+      <p:regular r:id="rId25"/>
+      <p:bold r:id="rId26"/>
+      <p:italic r:id="rId27"/>
+      <p:boldItalic r:id="rId28"/>
     </p:embeddedFont>
     <p:embeddedFont>
-      <p:font typeface="Poppins" panose="020B0502040204020203" pitchFamily="2" charset="0"/>
-      <p:regular r:id="rId28"/>
-      <p:bold r:id="rId29"/>
+      <p:font typeface="Poppins" panose="00000500000000000000" pitchFamily="2" charset="0"/>
+      <p:regular r:id="rId29"/>
+      <p:bold r:id="rId30"/>
+      <p:italic r:id="rId31"/>
+      <p:boldItalic r:id="rId32"/>
     </p:embeddedFont>
     <p:embeddedFont>
       <p:font typeface="Poppins Light" panose="00000400000000000000" pitchFamily="2" charset="0"/>
-      <p:regular r:id="rId30"/>
-      <p:italic r:id="rId31"/>
+      <p:regular r:id="rId33"/>
+      <p:italic r:id="rId34"/>
     </p:embeddedFont>
   </p:embeddedFontLst>
   <p:defaultTextStyle>
@@ -15513,7 +15516,7 @@
         </p:spPr>
         <p:txBody>
           <a:bodyPr spcFirstLastPara="1" wrap="square" lIns="91425" tIns="91425" rIns="91425" bIns="91425" anchor="t" anchorCtr="0">
-            <a:normAutofit fontScale="85000" lnSpcReduction="20000"/>
+            <a:normAutofit fontScale="77500" lnSpcReduction="20000"/>
           </a:bodyPr>
           <a:lstStyle/>
           <a:p>
@@ -15598,88 +15601,6 @@
           <a:chExt cx="0" cy="0"/>
         </a:xfrm>
       </p:grpSpPr>
-      <p:sp>
-        <p:nvSpPr>
-          <p:cNvPr id="18" name="TextBox 47">
-            <a:extLst>
-              <a:ext uri="{FF2B5EF4-FFF2-40B4-BE49-F238E27FC236}">
-                <a16:creationId xmlns:a16="http://schemas.microsoft.com/office/drawing/2014/main" id="{98184D39-8A72-4CAF-A942-7C5841A28C6D}"/>
-              </a:ext>
-            </a:extLst>
-          </p:cNvPr>
-          <p:cNvSpPr txBox="1"/>
-          <p:nvPr/>
-        </p:nvSpPr>
-        <p:spPr>
-          <a:xfrm>
-            <a:off x="628649" y="218317"/>
-            <a:ext cx="7886699" cy="699516"/>
-          </a:xfrm>
-          <a:prstGeom prst="rect">
-            <a:avLst/>
-          </a:prstGeom>
-        </p:spPr>
-        <p:txBody>
-          <a:bodyPr vert="horz" lIns="91440" tIns="45720" rIns="91440" bIns="45720" rtlCol="0" anchor="b">
-            <a:normAutofit/>
-          </a:bodyPr>
-          <a:lstStyle/>
-          <a:p>
-            <a:pPr>
-              <a:lnSpc>
-                <a:spcPct val="90000"/>
-              </a:lnSpc>
-              <a:spcBef>
-                <a:spcPct val="0"/>
-              </a:spcBef>
-              <a:spcAft>
-                <a:spcPts val="600"/>
-              </a:spcAft>
-            </a:pPr>
-            <a:r>
-              <a:rPr lang="en-US" sz="4100" b="1" kern="1200" dirty="0" err="1">
-                <a:solidFill>
-                  <a:schemeClr val="tx1"/>
-                </a:solidFill>
-                <a:latin typeface="+mj-lt"/>
-                <a:ea typeface="+mj-ea"/>
-                <a:cs typeface="+mj-cs"/>
-              </a:rPr>
-              <a:t>Selección</a:t>
-            </a:r>
-            <a:r>
-              <a:rPr lang="en-US" sz="4100" b="1" kern="1200" dirty="0">
-                <a:solidFill>
-                  <a:schemeClr val="tx1"/>
-                </a:solidFill>
-                <a:latin typeface="+mj-lt"/>
-                <a:ea typeface="+mj-ea"/>
-                <a:cs typeface="+mj-cs"/>
-              </a:rPr>
-              <a:t> del </a:t>
-            </a:r>
-            <a:r>
-              <a:rPr lang="en-US" sz="4100" b="1" kern="1200" dirty="0" err="1">
-                <a:solidFill>
-                  <a:schemeClr val="tx1"/>
-                </a:solidFill>
-                <a:latin typeface="+mj-lt"/>
-                <a:ea typeface="+mj-ea"/>
-                <a:cs typeface="+mj-cs"/>
-              </a:rPr>
-              <a:t>modelo</a:t>
-            </a:r>
-            <a:endParaRPr lang="en-US" sz="4100" b="1" kern="1200" dirty="0">
-              <a:solidFill>
-                <a:schemeClr val="tx1"/>
-              </a:solidFill>
-              <a:latin typeface="+mj-lt"/>
-              <a:ea typeface="+mj-ea"/>
-              <a:cs typeface="+mj-cs"/>
-            </a:endParaRPr>
-          </a:p>
-        </p:txBody>
-      </p:sp>
       <p:sp>
         <p:nvSpPr>
           <p:cNvPr id="35" name="Rectangle 22">
@@ -15857,10 +15778,422 @@
           </a:prstGeom>
         </p:spPr>
       </p:pic>
+      <p:sp>
+        <p:nvSpPr>
+          <p:cNvPr id="7" name="TextBox 47">
+            <a:extLst>
+              <a:ext uri="{FF2B5EF4-FFF2-40B4-BE49-F238E27FC236}">
+                <a16:creationId xmlns:a16="http://schemas.microsoft.com/office/drawing/2014/main" id="{9BFCAD18-DFAD-48CC-9D92-57466C70D2A5}"/>
+              </a:ext>
+            </a:extLst>
+          </p:cNvPr>
+          <p:cNvSpPr txBox="1"/>
+          <p:nvPr/>
+        </p:nvSpPr>
+        <p:spPr>
+          <a:xfrm>
+            <a:off x="628649" y="218317"/>
+            <a:ext cx="7886699" cy="699516"/>
+          </a:xfrm>
+          <a:prstGeom prst="rect">
+            <a:avLst/>
+          </a:prstGeom>
+        </p:spPr>
+        <p:txBody>
+          <a:bodyPr vert="horz" lIns="91440" tIns="45720" rIns="91440" bIns="45720" rtlCol="0" anchor="b">
+            <a:normAutofit/>
+          </a:bodyPr>
+          <a:lstStyle/>
+          <a:p>
+            <a:pPr>
+              <a:lnSpc>
+                <a:spcPct val="90000"/>
+              </a:lnSpc>
+              <a:spcBef>
+                <a:spcPct val="0"/>
+              </a:spcBef>
+              <a:spcAft>
+                <a:spcPts val="600"/>
+              </a:spcAft>
+            </a:pPr>
+            <a:r>
+              <a:rPr lang="en-US" sz="4100" b="1" kern="1200" dirty="0" err="1">
+                <a:solidFill>
+                  <a:schemeClr val="tx1"/>
+                </a:solidFill>
+                <a:latin typeface="+mj-lt"/>
+                <a:ea typeface="+mj-ea"/>
+                <a:cs typeface="+mj-cs"/>
+              </a:rPr>
+              <a:t>Despliegue</a:t>
+            </a:r>
+            <a:r>
+              <a:rPr lang="en-US" sz="4100" b="1" kern="1200" dirty="0">
+                <a:solidFill>
+                  <a:schemeClr val="tx1"/>
+                </a:solidFill>
+                <a:latin typeface="+mj-lt"/>
+                <a:ea typeface="+mj-ea"/>
+                <a:cs typeface="+mj-cs"/>
+              </a:rPr>
+              <a:t> del </a:t>
+            </a:r>
+            <a:r>
+              <a:rPr lang="en-US" sz="4100" b="1" kern="1200" dirty="0" err="1">
+                <a:solidFill>
+                  <a:schemeClr val="tx1"/>
+                </a:solidFill>
+                <a:latin typeface="+mj-lt"/>
+                <a:ea typeface="+mj-ea"/>
+                <a:cs typeface="+mj-cs"/>
+              </a:rPr>
+              <a:t>modelo</a:t>
+            </a:r>
+            <a:endParaRPr lang="en-US" sz="4100" b="1" kern="1200" dirty="0">
+              <a:solidFill>
+                <a:schemeClr val="tx1"/>
+              </a:solidFill>
+              <a:latin typeface="+mj-lt"/>
+              <a:ea typeface="+mj-ea"/>
+              <a:cs typeface="+mj-cs"/>
+            </a:endParaRPr>
+          </a:p>
+        </p:txBody>
+      </p:sp>
     </p:spTree>
     <p:extLst>
       <p:ext uri="{BB962C8B-B14F-4D97-AF65-F5344CB8AC3E}">
         <p14:creationId xmlns:p14="http://schemas.microsoft.com/office/powerpoint/2010/main" val="548236062"/>
+      </p:ext>
+    </p:extLst>
+  </p:cSld>
+  <p:clrMapOvr>
+    <a:masterClrMapping/>
+  </p:clrMapOvr>
+</p:sld>
+</file>
+
+<file path=ppt/slides/slide11.xml><?xml version="1.0" encoding="utf-8"?>
+<p:sld xmlns:a="http://schemas.openxmlformats.org/drawingml/2006/main" xmlns:r="http://schemas.openxmlformats.org/officeDocument/2006/relationships" xmlns:p="http://schemas.openxmlformats.org/presentationml/2006/main">
+  <p:cSld>
+    <p:spTree>
+      <p:nvGrpSpPr>
+        <p:cNvPr id="1" name=""/>
+        <p:cNvGrpSpPr/>
+        <p:nvPr/>
+      </p:nvGrpSpPr>
+      <p:grpSpPr>
+        <a:xfrm>
+          <a:off x="0" y="0"/>
+          <a:ext cx="0" cy="0"/>
+          <a:chOff x="0" y="0"/>
+          <a:chExt cx="0" cy="0"/>
+        </a:xfrm>
+      </p:grpSpPr>
+      <p:sp>
+        <p:nvSpPr>
+          <p:cNvPr id="2" name="TextBox 47">
+            <a:extLst>
+              <a:ext uri="{FF2B5EF4-FFF2-40B4-BE49-F238E27FC236}">
+                <a16:creationId xmlns:a16="http://schemas.microsoft.com/office/drawing/2014/main" id="{273F624E-3643-46B4-928B-094B8D4B868F}"/>
+              </a:ext>
+            </a:extLst>
+          </p:cNvPr>
+          <p:cNvSpPr txBox="1"/>
+          <p:nvPr/>
+        </p:nvSpPr>
+        <p:spPr>
+          <a:xfrm>
+            <a:off x="628649" y="218317"/>
+            <a:ext cx="7886699" cy="699516"/>
+          </a:xfrm>
+          <a:prstGeom prst="rect">
+            <a:avLst/>
+          </a:prstGeom>
+        </p:spPr>
+        <p:txBody>
+          <a:bodyPr vert="horz" lIns="91440" tIns="45720" rIns="91440" bIns="45720" rtlCol="0" anchor="b">
+            <a:normAutofit/>
+          </a:bodyPr>
+          <a:lstStyle/>
+          <a:p>
+            <a:pPr>
+              <a:lnSpc>
+                <a:spcPct val="90000"/>
+              </a:lnSpc>
+              <a:spcBef>
+                <a:spcPct val="0"/>
+              </a:spcBef>
+              <a:spcAft>
+                <a:spcPts val="600"/>
+              </a:spcAft>
+            </a:pPr>
+            <a:r>
+              <a:rPr lang="en-US" sz="4100" b="1" kern="1200" dirty="0" err="1">
+                <a:solidFill>
+                  <a:schemeClr val="tx1"/>
+                </a:solidFill>
+                <a:latin typeface="+mj-lt"/>
+                <a:ea typeface="+mj-ea"/>
+                <a:cs typeface="+mj-cs"/>
+              </a:rPr>
+              <a:t>Conclusiones</a:t>
+            </a:r>
+            <a:endParaRPr lang="en-US" sz="4100" b="1" kern="1200" dirty="0">
+              <a:solidFill>
+                <a:schemeClr val="tx1"/>
+              </a:solidFill>
+              <a:latin typeface="+mj-lt"/>
+              <a:ea typeface="+mj-ea"/>
+              <a:cs typeface="+mj-cs"/>
+            </a:endParaRPr>
+          </a:p>
+        </p:txBody>
+      </p:sp>
+      <p:sp>
+        <p:nvSpPr>
+          <p:cNvPr id="3" name="Google Shape;300;p16">
+            <a:extLst>
+              <a:ext uri="{FF2B5EF4-FFF2-40B4-BE49-F238E27FC236}">
+                <a16:creationId xmlns:a16="http://schemas.microsoft.com/office/drawing/2014/main" id="{004CE37F-08B7-40EE-B841-9F4F95F8F500}"/>
+              </a:ext>
+            </a:extLst>
+          </p:cNvPr>
+          <p:cNvSpPr txBox="1">
+            <a:spLocks/>
+          </p:cNvSpPr>
+          <p:nvPr/>
+        </p:nvSpPr>
+        <p:spPr>
+          <a:xfrm>
+            <a:off x="1044484" y="1106383"/>
+            <a:ext cx="7470863" cy="3818800"/>
+          </a:xfrm>
+          <a:prstGeom prst="rect">
+            <a:avLst/>
+          </a:prstGeom>
+        </p:spPr>
+        <p:txBody>
+          <a:bodyPr spcFirstLastPara="1" wrap="square" lIns="91425" tIns="91425" rIns="91425" bIns="91425" anchor="t" anchorCtr="0">
+            <a:normAutofit fontScale="97500"/>
+          </a:bodyPr>
+          <a:lstStyle>
+            <a:lvl1pPr algn="l" defTabSz="685629" rtl="0" eaLnBrk="1" latinLnBrk="0" hangingPunct="1">
+              <a:lnSpc>
+                <a:spcPct val="90000"/>
+              </a:lnSpc>
+              <a:spcBef>
+                <a:spcPct val="0"/>
+              </a:spcBef>
+              <a:buNone/>
+              <a:defRPr sz="3299" b="1" i="0" kern="1200">
+                <a:solidFill>
+                  <a:schemeClr val="tx2"/>
+                </a:solidFill>
+                <a:latin typeface="Poppins" pitchFamily="2" charset="77"/>
+                <a:ea typeface="+mj-ea"/>
+                <a:cs typeface="+mj-cs"/>
+              </a:defRPr>
+            </a:lvl1pPr>
+          </a:lstStyle>
+          <a:p>
+            <a:pPr marL="342900" indent="-342900">
+              <a:spcBef>
+                <a:spcPts val="0"/>
+              </a:spcBef>
+              <a:buClrTx/>
+              <a:buFont typeface="+mj-lt"/>
+              <a:buAutoNum type="arabicPeriod"/>
+            </a:pPr>
+            <a:r>
+              <a:rPr lang="es-ES" sz="2400" b="0" i="1" dirty="0">
+                <a:solidFill>
+                  <a:schemeClr val="accent2">
+                    <a:lumMod val="60000"/>
+                    <a:lumOff val="40000"/>
+                  </a:schemeClr>
+                </a:solidFill>
+              </a:rPr>
+              <a:t>Proyecto de gran valor agregado para la entidad bancaria</a:t>
+            </a:r>
+          </a:p>
+          <a:p>
+            <a:pPr marL="342900" indent="-342900">
+              <a:spcBef>
+                <a:spcPts val="0"/>
+              </a:spcBef>
+              <a:buClrTx/>
+              <a:buFont typeface="+mj-lt"/>
+              <a:buAutoNum type="arabicPeriod"/>
+            </a:pPr>
+            <a:endParaRPr lang="es-ES" sz="2400" b="0" i="1" dirty="0">
+              <a:solidFill>
+                <a:schemeClr val="accent2">
+                  <a:lumMod val="60000"/>
+                  <a:lumOff val="40000"/>
+                </a:schemeClr>
+              </a:solidFill>
+            </a:endParaRPr>
+          </a:p>
+          <a:p>
+            <a:pPr marL="342900" indent="-342900">
+              <a:spcBef>
+                <a:spcPts val="0"/>
+              </a:spcBef>
+              <a:buClrTx/>
+              <a:buFont typeface="+mj-lt"/>
+              <a:buAutoNum type="arabicPeriod"/>
+            </a:pPr>
+            <a:endParaRPr lang="es-ES" sz="2400" b="0" i="1" dirty="0">
+              <a:solidFill>
+                <a:schemeClr val="accent2">
+                  <a:lumMod val="60000"/>
+                  <a:lumOff val="40000"/>
+                </a:schemeClr>
+              </a:solidFill>
+            </a:endParaRPr>
+          </a:p>
+          <a:p>
+            <a:pPr marL="342900" indent="-342900">
+              <a:spcBef>
+                <a:spcPts val="0"/>
+              </a:spcBef>
+              <a:buClrTx/>
+              <a:buFont typeface="+mj-lt"/>
+              <a:buAutoNum type="arabicPeriod"/>
+            </a:pPr>
+            <a:endParaRPr lang="es-ES" sz="2400" b="0" i="1" dirty="0">
+              <a:solidFill>
+                <a:schemeClr val="accent2">
+                  <a:lumMod val="60000"/>
+                  <a:lumOff val="40000"/>
+                </a:schemeClr>
+              </a:solidFill>
+            </a:endParaRPr>
+          </a:p>
+          <a:p>
+            <a:pPr marL="342900" indent="-342900">
+              <a:spcBef>
+                <a:spcPts val="0"/>
+              </a:spcBef>
+              <a:buClrTx/>
+              <a:buFont typeface="+mj-lt"/>
+              <a:buAutoNum type="arabicPeriod"/>
+            </a:pPr>
+            <a:endParaRPr lang="es-ES" sz="2400" b="0" i="1" dirty="0">
+              <a:solidFill>
+                <a:schemeClr val="accent2">
+                  <a:lumMod val="60000"/>
+                  <a:lumOff val="40000"/>
+                </a:schemeClr>
+              </a:solidFill>
+            </a:endParaRPr>
+          </a:p>
+          <a:p>
+            <a:pPr marL="342900" indent="-342900">
+              <a:spcBef>
+                <a:spcPts val="0"/>
+              </a:spcBef>
+              <a:buClrTx/>
+              <a:buFont typeface="+mj-lt"/>
+              <a:buAutoNum type="arabicPeriod"/>
+            </a:pPr>
+            <a:endParaRPr lang="es-ES" sz="2400" b="0" i="1" dirty="0">
+              <a:solidFill>
+                <a:schemeClr val="accent2">
+                  <a:lumMod val="60000"/>
+                  <a:lumOff val="40000"/>
+                </a:schemeClr>
+              </a:solidFill>
+            </a:endParaRPr>
+          </a:p>
+          <a:p>
+            <a:pPr marL="342900" indent="-342900">
+              <a:spcBef>
+                <a:spcPts val="0"/>
+              </a:spcBef>
+              <a:buClrTx/>
+              <a:buFont typeface="+mj-lt"/>
+              <a:buAutoNum type="arabicPeriod"/>
+            </a:pPr>
+            <a:r>
+              <a:rPr lang="es-ES" sz="2400" b="0" i="1" dirty="0">
+                <a:solidFill>
+                  <a:schemeClr val="accent2">
+                    <a:lumMod val="60000"/>
+                    <a:lumOff val="40000"/>
+                  </a:schemeClr>
+                </a:solidFill>
+              </a:rPr>
+              <a:t>Calidad de los datos</a:t>
+            </a:r>
+          </a:p>
+        </p:txBody>
+      </p:sp>
+      <p:pic>
+        <p:nvPicPr>
+          <p:cNvPr id="5" name="Imagen 4">
+            <a:extLst>
+              <a:ext uri="{FF2B5EF4-FFF2-40B4-BE49-F238E27FC236}">
+                <a16:creationId xmlns:a16="http://schemas.microsoft.com/office/drawing/2014/main" id="{DF390665-C70D-409C-A8F6-7682F133EAAE}"/>
+              </a:ext>
+            </a:extLst>
+          </p:cNvPr>
+          <p:cNvPicPr>
+            <a:picLocks noChangeAspect="1"/>
+          </p:cNvPicPr>
+          <p:nvPr/>
+        </p:nvPicPr>
+        <p:blipFill>
+          <a:blip r:embed="rId2"/>
+          <a:stretch>
+            <a:fillRect/>
+          </a:stretch>
+        </p:blipFill>
+        <p:spPr>
+          <a:xfrm>
+            <a:off x="4643523" y="3275842"/>
+            <a:ext cx="1734142" cy="1522549"/>
+          </a:xfrm>
+          <a:prstGeom prst="rect">
+            <a:avLst/>
+          </a:prstGeom>
+        </p:spPr>
+      </p:pic>
+      <p:pic>
+        <p:nvPicPr>
+          <p:cNvPr id="7" name="Imagen 6">
+            <a:extLst>
+              <a:ext uri="{FF2B5EF4-FFF2-40B4-BE49-F238E27FC236}">
+                <a16:creationId xmlns:a16="http://schemas.microsoft.com/office/drawing/2014/main" id="{FD80D4B7-047B-4946-BAA3-1B67EDC57CAC}"/>
+              </a:ext>
+            </a:extLst>
+          </p:cNvPr>
+          <p:cNvPicPr>
+            <a:picLocks noChangeAspect="1"/>
+          </p:cNvPicPr>
+          <p:nvPr/>
+        </p:nvPicPr>
+        <p:blipFill>
+          <a:blip r:embed="rId3"/>
+          <a:stretch>
+            <a:fillRect/>
+          </a:stretch>
+        </p:blipFill>
+        <p:spPr>
+          <a:xfrm>
+            <a:off x="4449448" y="1646261"/>
+            <a:ext cx="1399919" cy="1502789"/>
+          </a:xfrm>
+          <a:prstGeom prst="rect">
+            <a:avLst/>
+          </a:prstGeom>
+        </p:spPr>
+      </p:pic>
+    </p:spTree>
+    <p:extLst>
+      <p:ext uri="{BB962C8B-B14F-4D97-AF65-F5344CB8AC3E}">
+        <p14:creationId xmlns:p14="http://schemas.microsoft.com/office/powerpoint/2010/main" val="2463143076"/>
       </p:ext>
     </p:extLst>
   </p:cSld>
@@ -29320,7 +29653,7 @@
           <a:effectLst/>
           <a:extLst>
             <a:ext uri="{C572A759-6A51-4108-AA02-DFA0A04FC94B}">
-              <ma14:wrappingTextBoxFlag xmlns:ma14="http://schemas.microsoft.com/office/mac/drawingml/2011/main" xmlns="" val="1"/>
+              <ma14:wrappingTextBoxFlag xmlns="" xmlns:ma14="http://schemas.microsoft.com/office/mac/drawingml/2011/main" val="1"/>
             </a:ext>
           </a:extLst>
         </p:spPr>
@@ -29391,7 +29724,7 @@
           <a:effectLst/>
           <a:extLst>
             <a:ext uri="{C572A759-6A51-4108-AA02-DFA0A04FC94B}">
-              <ma14:wrappingTextBoxFlag xmlns:ma14="http://schemas.microsoft.com/office/mac/drawingml/2011/main" xmlns="" val="1"/>
+              <ma14:wrappingTextBoxFlag xmlns="" xmlns:ma14="http://schemas.microsoft.com/office/mac/drawingml/2011/main" val="1"/>
             </a:ext>
           </a:extLst>
         </p:spPr>
@@ -29462,7 +29795,7 @@
           <a:effectLst/>
           <a:extLst>
             <a:ext uri="{C572A759-6A51-4108-AA02-DFA0A04FC94B}">
-              <ma14:wrappingTextBoxFlag xmlns:ma14="http://schemas.microsoft.com/office/mac/drawingml/2011/main" xmlns="" val="1"/>
+              <ma14:wrappingTextBoxFlag xmlns="" xmlns:ma14="http://schemas.microsoft.com/office/mac/drawingml/2011/main" val="1"/>
             </a:ext>
           </a:extLst>
         </p:spPr>
@@ -30604,7 +30937,7 @@
           <a:effectLst/>
           <a:extLst>
             <a:ext uri="{C572A759-6A51-4108-AA02-DFA0A04FC94B}">
-              <ma14:wrappingTextBoxFlag xmlns="" xmlns:ma14="http://schemas.microsoft.com/office/mac/drawingml/2011/main" val="1"/>
+              <ma14:wrappingTextBoxFlag xmlns:ma14="http://schemas.microsoft.com/office/mac/drawingml/2011/main" xmlns="" val="1"/>
             </a:ext>
           </a:extLst>
         </p:spPr>
@@ -30675,7 +31008,7 @@
           <a:effectLst/>
           <a:extLst>
             <a:ext uri="{C572A759-6A51-4108-AA02-DFA0A04FC94B}">
-              <ma14:wrappingTextBoxFlag xmlns="" xmlns:ma14="http://schemas.microsoft.com/office/mac/drawingml/2011/main" val="1"/>
+              <ma14:wrappingTextBoxFlag xmlns:ma14="http://schemas.microsoft.com/office/mac/drawingml/2011/main" xmlns="" val="1"/>
             </a:ext>
           </a:extLst>
         </p:spPr>
@@ -30746,7 +31079,7 @@
           <a:effectLst/>
           <a:extLst>
             <a:ext uri="{C572A759-6A51-4108-AA02-DFA0A04FC94B}">
-              <ma14:wrappingTextBoxFlag xmlns="" xmlns:ma14="http://schemas.microsoft.com/office/mac/drawingml/2011/main" val="1"/>
+              <ma14:wrappingTextBoxFlag xmlns:ma14="http://schemas.microsoft.com/office/mac/drawingml/2011/main" xmlns="" val="1"/>
             </a:ext>
           </a:extLst>
         </p:spPr>
@@ -31633,7 +31966,7 @@
         <p:spPr>
           <a:xfrm>
             <a:off x="91744" y="1046441"/>
-            <a:ext cx="3072116" cy="2147914"/>
+            <a:ext cx="2963876" cy="2147914"/>
           </a:xfrm>
           <a:prstGeom prst="rect">
             <a:avLst/>
@@ -35904,7 +36237,7 @@
           <a:effectLst/>
           <a:extLst>
             <a:ext uri="{C572A759-6A51-4108-AA02-DFA0A04FC94B}">
-              <ma14:wrappingTextBoxFlag xmlns="" xmlns:ma14="http://schemas.microsoft.com/office/mac/drawingml/2011/main" val="1"/>
+              <ma14:wrappingTextBoxFlag xmlns:ma14="http://schemas.microsoft.com/office/mac/drawingml/2011/main" xmlns="" val="1"/>
             </a:ext>
           </a:extLst>
         </p:spPr>
@@ -35961,7 +36294,7 @@
           <a:effectLst/>
           <a:extLst>
             <a:ext uri="{C572A759-6A51-4108-AA02-DFA0A04FC94B}">
-              <ma14:wrappingTextBoxFlag xmlns="" xmlns:ma14="http://schemas.microsoft.com/office/mac/drawingml/2011/main" val="1"/>
+              <ma14:wrappingTextBoxFlag xmlns:ma14="http://schemas.microsoft.com/office/mac/drawingml/2011/main" xmlns="" val="1"/>
             </a:ext>
           </a:extLst>
         </p:spPr>
@@ -36018,7 +36351,7 @@
           <a:effectLst/>
           <a:extLst>
             <a:ext uri="{C572A759-6A51-4108-AA02-DFA0A04FC94B}">
-              <ma14:wrappingTextBoxFlag xmlns="" xmlns:ma14="http://schemas.microsoft.com/office/mac/drawingml/2011/main" val="1"/>
+              <ma14:wrappingTextBoxFlag xmlns:ma14="http://schemas.microsoft.com/office/mac/drawingml/2011/main" xmlns="" val="1"/>
             </a:ext>
           </a:extLst>
         </p:spPr>
@@ -39467,7 +39800,7 @@
           <a:effectLst/>
           <a:extLst>
             <a:ext uri="{C572A759-6A51-4108-AA02-DFA0A04FC94B}">
-              <ma14:wrappingTextBoxFlag xmlns="" xmlns:ma14="http://schemas.microsoft.com/office/mac/drawingml/2011/main" val="1"/>
+              <ma14:wrappingTextBoxFlag xmlns:ma14="http://schemas.microsoft.com/office/mac/drawingml/2011/main" xmlns="" val="1"/>
             </a:ext>
           </a:extLst>
         </p:spPr>
@@ -39524,7 +39857,7 @@
           <a:effectLst/>
           <a:extLst>
             <a:ext uri="{C572A759-6A51-4108-AA02-DFA0A04FC94B}">
-              <ma14:wrappingTextBoxFlag xmlns="" xmlns:ma14="http://schemas.microsoft.com/office/mac/drawingml/2011/main" val="1"/>
+              <ma14:wrappingTextBoxFlag xmlns:ma14="http://schemas.microsoft.com/office/mac/drawingml/2011/main" xmlns="" val="1"/>
             </a:ext>
           </a:extLst>
         </p:spPr>
@@ -39583,7 +39916,7 @@
           <a:effectLst/>
           <a:extLst>
             <a:ext uri="{C572A759-6A51-4108-AA02-DFA0A04FC94B}">
-              <ma14:wrappingTextBoxFlag xmlns="" xmlns:ma14="http://schemas.microsoft.com/office/mac/drawingml/2011/main" val="1"/>
+              <ma14:wrappingTextBoxFlag xmlns:ma14="http://schemas.microsoft.com/office/mac/drawingml/2011/main" xmlns="" val="1"/>
             </a:ext>
           </a:extLst>
         </p:spPr>
@@ -49249,40 +49582,6 @@
       </p:pic>
       <p:pic>
         <p:nvPicPr>
-          <p:cNvPr id="89" name="Google Shape;308;p17">
-            <a:extLst>
-              <a:ext uri="{FF2B5EF4-FFF2-40B4-BE49-F238E27FC236}">
-                <a16:creationId xmlns:a16="http://schemas.microsoft.com/office/drawing/2014/main" id="{576CCB38-DFF8-4F6F-9637-C13D94527DB7}"/>
-              </a:ext>
-            </a:extLst>
-          </p:cNvPr>
-          <p:cNvPicPr preferRelativeResize="0"/>
-          <p:nvPr/>
-        </p:nvPicPr>
-        <p:blipFill>
-          <a:blip r:embed="rId4">
-            <a:alphaModFix/>
-          </a:blip>
-          <a:stretch>
-            <a:fillRect/>
-          </a:stretch>
-        </p:blipFill>
-        <p:spPr>
-          <a:xfrm>
-            <a:off x="5113053" y="2097045"/>
-            <a:ext cx="3781825" cy="2426675"/>
-          </a:xfrm>
-          <a:prstGeom prst="rect">
-            <a:avLst/>
-          </a:prstGeom>
-          <a:noFill/>
-          <a:ln>
-            <a:noFill/>
-          </a:ln>
-        </p:spPr>
-      </p:pic>
-      <p:pic>
-        <p:nvPicPr>
           <p:cNvPr id="90" name="Google Shape;307;p17">
             <a:extLst>
               <a:ext uri="{FF2B5EF4-FFF2-40B4-BE49-F238E27FC236}">
@@ -49294,7 +49593,7 @@
           <p:nvPr/>
         </p:nvPicPr>
         <p:blipFill>
-          <a:blip r:embed="rId5">
+          <a:blip r:embed="rId4">
             <a:alphaModFix/>
           </a:blip>
           <a:stretch>
@@ -49313,6 +49612,36 @@
           <a:ln>
             <a:noFill/>
           </a:ln>
+        </p:spPr>
+      </p:pic>
+      <p:pic>
+        <p:nvPicPr>
+          <p:cNvPr id="3" name="Imagen 2">
+            <a:extLst>
+              <a:ext uri="{FF2B5EF4-FFF2-40B4-BE49-F238E27FC236}">
+                <a16:creationId xmlns:a16="http://schemas.microsoft.com/office/drawing/2014/main" id="{2A94B0CB-4949-4103-A43A-04D1E7085DE9}"/>
+              </a:ext>
+            </a:extLst>
+          </p:cNvPr>
+          <p:cNvPicPr>
+            <a:picLocks noChangeAspect="1"/>
+          </p:cNvPicPr>
+          <p:nvPr/>
+        </p:nvPicPr>
+        <p:blipFill>
+          <a:blip r:embed="rId5"/>
+          <a:stretch>
+            <a:fillRect/>
+          </a:stretch>
+        </p:blipFill>
+        <p:spPr>
+          <a:xfrm>
+            <a:off x="5230209" y="2190780"/>
+            <a:ext cx="3727541" cy="2392083"/>
+          </a:xfrm>
+          <a:prstGeom prst="rect">
+            <a:avLst/>
+          </a:prstGeom>
         </p:spPr>
       </p:pic>
     </p:spTree>
@@ -49377,7 +49706,7 @@
             <a:r>
               <a:rPr lang="es-419" sz="3200" b="1" dirty="0" err="1">
                 <a:solidFill>
-                  <a:schemeClr val="tx2"/>
+                  <a:schemeClr val="accent2"/>
                 </a:solidFill>
                 <a:latin typeface="Poppins" pitchFamily="2" charset="77"/>
                 <a:cs typeface="Poppins" pitchFamily="2" charset="77"/>
@@ -49387,7 +49716,7 @@
             <a:r>
               <a:rPr lang="es-419" sz="3200" b="1" dirty="0">
                 <a:solidFill>
-                  <a:schemeClr val="tx2"/>
+                  <a:schemeClr val="accent2"/>
                 </a:solidFill>
                 <a:latin typeface="Poppins" pitchFamily="2" charset="77"/>
                 <a:cs typeface="Poppins" pitchFamily="2" charset="77"/>
@@ -49396,7 +49725,7 @@
             </a:r>
             <a:endParaRPr lang="en-US" sz="2250" b="1" dirty="0">
               <a:solidFill>
-                <a:schemeClr val="tx2"/>
+                <a:schemeClr val="accent2"/>
               </a:solidFill>
               <a:latin typeface="Poppins" pitchFamily="2" charset="77"/>
               <a:cs typeface="Poppins" pitchFamily="2" charset="77"/>
@@ -49406,44 +49735,279 @@
       </p:sp>
       <p:pic>
         <p:nvPicPr>
-          <p:cNvPr id="6" name="Google Shape;314;p18">
+          <p:cNvPr id="3" name="Imagen 2">
             <a:extLst>
               <a:ext uri="{FF2B5EF4-FFF2-40B4-BE49-F238E27FC236}">
-                <a16:creationId xmlns:a16="http://schemas.microsoft.com/office/drawing/2014/main" id="{65CD72C9-C958-4E1E-992B-13736E7E5D1A}"/>
+                <a16:creationId xmlns:a16="http://schemas.microsoft.com/office/drawing/2014/main" id="{86C8EBCF-F389-42A6-98B7-3F5E37555B5C}"/>
               </a:ext>
             </a:extLst>
           </p:cNvPr>
-          <p:cNvPicPr preferRelativeResize="0"/>
+          <p:cNvPicPr>
+            <a:picLocks noChangeAspect="1"/>
+          </p:cNvPicPr>
           <p:nvPr/>
         </p:nvPicPr>
-        <p:blipFill rotWithShape="1">
+        <p:blipFill>
           <a:blip r:embed="rId3">
-            <a:alphaModFix/>
             <a:duotone>
-              <a:schemeClr val="accent3">
+              <a:schemeClr val="accent4">
                 <a:shade val="45000"/>
                 <a:satMod val="135000"/>
               </a:schemeClr>
               <a:prstClr val="white"/>
             </a:duotone>
           </a:blip>
-          <a:srcRect l="1002" t="7066" r="23073" b="2680"/>
-          <a:stretch/>
+          <a:stretch>
+            <a:fillRect/>
+          </a:stretch>
         </p:blipFill>
         <p:spPr>
           <a:xfrm>
-            <a:off x="1280856" y="778067"/>
-            <a:ext cx="6774239" cy="4240663"/>
+            <a:off x="3978778" y="1365220"/>
+            <a:ext cx="4844163" cy="3072617"/>
           </a:xfrm>
           <a:prstGeom prst="rect">
             <a:avLst/>
           </a:prstGeom>
-          <a:noFill/>
-          <a:ln>
-            <a:noFill/>
-          </a:ln>
         </p:spPr>
       </p:pic>
+      <p:sp>
+        <p:nvSpPr>
+          <p:cNvPr id="7" name="Google Shape;300;p16">
+            <a:extLst>
+              <a:ext uri="{FF2B5EF4-FFF2-40B4-BE49-F238E27FC236}">
+                <a16:creationId xmlns:a16="http://schemas.microsoft.com/office/drawing/2014/main" id="{F1711DB6-4A73-4415-8F7F-C802B976846F}"/>
+              </a:ext>
+            </a:extLst>
+          </p:cNvPr>
+          <p:cNvSpPr txBox="1">
+            <a:spLocks/>
+          </p:cNvSpPr>
+          <p:nvPr/>
+        </p:nvSpPr>
+        <p:spPr>
+          <a:xfrm>
+            <a:off x="190596" y="1691330"/>
+            <a:ext cx="4049235" cy="2040228"/>
+          </a:xfrm>
+          <a:prstGeom prst="rect">
+            <a:avLst/>
+          </a:prstGeom>
+        </p:spPr>
+        <p:txBody>
+          <a:bodyPr spcFirstLastPara="1" wrap="square" lIns="91425" tIns="91425" rIns="91425" bIns="91425" anchor="t" anchorCtr="0">
+            <a:normAutofit fontScale="97500"/>
+          </a:bodyPr>
+          <a:lstStyle>
+            <a:lvl1pPr algn="l" defTabSz="685629" rtl="0" eaLnBrk="1" latinLnBrk="0" hangingPunct="1">
+              <a:lnSpc>
+                <a:spcPct val="90000"/>
+              </a:lnSpc>
+              <a:spcBef>
+                <a:spcPct val="0"/>
+              </a:spcBef>
+              <a:buNone/>
+              <a:defRPr sz="3299" b="1" i="0" kern="1200">
+                <a:solidFill>
+                  <a:schemeClr val="tx2"/>
+                </a:solidFill>
+                <a:latin typeface="Poppins" pitchFamily="2" charset="77"/>
+                <a:ea typeface="+mj-ea"/>
+                <a:cs typeface="+mj-cs"/>
+              </a:defRPr>
+            </a:lvl1pPr>
+          </a:lstStyle>
+          <a:p>
+            <a:pPr marL="342900" indent="-342900">
+              <a:spcBef>
+                <a:spcPts val="0"/>
+              </a:spcBef>
+              <a:buClrTx/>
+              <a:buFont typeface="+mj-lt"/>
+              <a:buAutoNum type="arabicPeriod"/>
+            </a:pPr>
+            <a:r>
+              <a:rPr lang="es-ES" sz="1200" b="0" i="1" dirty="0">
+                <a:solidFill>
+                  <a:schemeClr val="accent2">
+                    <a:lumMod val="60000"/>
+                    <a:lumOff val="40000"/>
+                  </a:schemeClr>
+                </a:solidFill>
+              </a:rPr>
+              <a:t>Número de créditos (8)</a:t>
+            </a:r>
+          </a:p>
+          <a:p>
+            <a:pPr marL="342900" indent="-342900">
+              <a:spcBef>
+                <a:spcPts val="0"/>
+              </a:spcBef>
+              <a:buClrTx/>
+              <a:buFont typeface="+mj-lt"/>
+              <a:buAutoNum type="arabicPeriod"/>
+            </a:pPr>
+            <a:r>
+              <a:rPr lang="es-ES" sz="1200" b="0" i="1" dirty="0">
+                <a:solidFill>
+                  <a:schemeClr val="accent2">
+                    <a:lumMod val="60000"/>
+                    <a:lumOff val="40000"/>
+                  </a:schemeClr>
+                </a:solidFill>
+              </a:rPr>
+              <a:t>Saldo Sobregiro (36)</a:t>
+            </a:r>
+          </a:p>
+          <a:p>
+            <a:pPr marL="342900" indent="-342900">
+              <a:spcBef>
+                <a:spcPts val="0"/>
+              </a:spcBef>
+              <a:buClrTx/>
+              <a:buFont typeface="+mj-lt"/>
+              <a:buAutoNum type="arabicPeriod"/>
+            </a:pPr>
+            <a:r>
+              <a:rPr lang="es-ES" sz="1200" b="0" i="1" dirty="0">
+                <a:solidFill>
+                  <a:schemeClr val="accent2">
+                    <a:lumMod val="60000"/>
+                    <a:lumOff val="40000"/>
+                  </a:schemeClr>
+                </a:solidFill>
+              </a:rPr>
+              <a:t>Saldo cartera vencida (10)</a:t>
+            </a:r>
+          </a:p>
+          <a:p>
+            <a:pPr marL="342900" indent="-342900">
+              <a:spcBef>
+                <a:spcPts val="0"/>
+              </a:spcBef>
+              <a:buClrTx/>
+              <a:buFont typeface="+mj-lt"/>
+              <a:buAutoNum type="arabicPeriod"/>
+            </a:pPr>
+            <a:r>
+              <a:rPr lang="es-ES" sz="1200" b="0" i="1" dirty="0">
+                <a:solidFill>
+                  <a:schemeClr val="accent2">
+                    <a:lumMod val="60000"/>
+                    <a:lumOff val="40000"/>
+                  </a:schemeClr>
+                </a:solidFill>
+              </a:rPr>
+              <a:t>Número de cuentas corrientes inactivas (22)</a:t>
+            </a:r>
+          </a:p>
+          <a:p>
+            <a:pPr marL="342900" indent="-342900">
+              <a:spcBef>
+                <a:spcPts val="0"/>
+              </a:spcBef>
+              <a:buClrTx/>
+              <a:buFont typeface="+mj-lt"/>
+              <a:buAutoNum type="arabicPeriod"/>
+            </a:pPr>
+            <a:r>
+              <a:rPr lang="es-ES" sz="1200" b="0" i="1" dirty="0">
+                <a:solidFill>
+                  <a:schemeClr val="accent2">
+                    <a:lumMod val="60000"/>
+                    <a:lumOff val="40000"/>
+                  </a:schemeClr>
+                </a:solidFill>
+              </a:rPr>
+              <a:t>Valor egresos (7)</a:t>
+            </a:r>
+          </a:p>
+          <a:p>
+            <a:pPr marL="342900" indent="-342900">
+              <a:spcBef>
+                <a:spcPts val="0"/>
+              </a:spcBef>
+              <a:buClrTx/>
+              <a:buFont typeface="+mj-lt"/>
+              <a:buAutoNum type="arabicPeriod"/>
+            </a:pPr>
+            <a:r>
+              <a:rPr lang="es-ES" sz="1200" b="0" i="1" dirty="0">
+                <a:solidFill>
+                  <a:schemeClr val="accent2">
+                    <a:lumMod val="60000"/>
+                    <a:lumOff val="40000"/>
+                  </a:schemeClr>
+                </a:solidFill>
+              </a:rPr>
+              <a:t>Profesión (11)</a:t>
+            </a:r>
+          </a:p>
+          <a:p>
+            <a:pPr marL="342900" indent="-342900">
+              <a:spcBef>
+                <a:spcPts val="0"/>
+              </a:spcBef>
+              <a:buClrTx/>
+              <a:buFont typeface="+mj-lt"/>
+              <a:buAutoNum type="arabicPeriod"/>
+            </a:pPr>
+            <a:r>
+              <a:rPr lang="es-ES" sz="1200" b="0" i="1" dirty="0">
+                <a:solidFill>
+                  <a:schemeClr val="accent2">
+                    <a:lumMod val="60000"/>
+                    <a:lumOff val="40000"/>
+                  </a:schemeClr>
+                </a:solidFill>
+              </a:rPr>
+              <a:t>Estado civil (1)</a:t>
+            </a:r>
+          </a:p>
+          <a:p>
+            <a:pPr marL="342900" indent="-342900">
+              <a:spcBef>
+                <a:spcPts val="0"/>
+              </a:spcBef>
+              <a:buClrTx/>
+              <a:buFont typeface="+mj-lt"/>
+              <a:buAutoNum type="arabicPeriod"/>
+            </a:pPr>
+            <a:r>
+              <a:rPr lang="es-ES" sz="1200" b="0" i="1" dirty="0">
+                <a:solidFill>
+                  <a:schemeClr val="accent2">
+                    <a:lumMod val="60000"/>
+                    <a:lumOff val="40000"/>
+                  </a:schemeClr>
+                </a:solidFill>
+              </a:rPr>
+              <a:t>Número de cuentas de ahorros inactivas (6)</a:t>
+            </a:r>
+          </a:p>
+          <a:p>
+            <a:pPr marL="342900" indent="-342900">
+              <a:spcBef>
+                <a:spcPts val="0"/>
+              </a:spcBef>
+              <a:buClrTx/>
+              <a:buFont typeface="+mj-lt"/>
+              <a:buAutoNum type="arabicPeriod"/>
+            </a:pPr>
+            <a:r>
+              <a:rPr lang="es-ES" sz="1200" b="0" i="1" dirty="0">
+                <a:solidFill>
+                  <a:schemeClr val="accent2">
+                    <a:lumMod val="60000"/>
+                    <a:lumOff val="40000"/>
+                  </a:schemeClr>
+                </a:solidFill>
+              </a:rPr>
+              <a:t>Regional (41)</a:t>
+            </a:r>
+          </a:p>
+        </p:txBody>
+      </p:sp>
     </p:spTree>
     <p:extLst>
       <p:ext uri="{BB962C8B-B14F-4D97-AF65-F5344CB8AC3E}">
@@ -49521,7 +50085,7 @@
               </a:spcAft>
             </a:pPr>
             <a:r>
-              <a:rPr lang="en-US" sz="4100" b="1" kern="1200">
+              <a:rPr lang="en-US" sz="4100" b="1" kern="1200" dirty="0" err="1">
                 <a:solidFill>
                   <a:schemeClr val="tx1"/>
                 </a:solidFill>
@@ -49529,8 +50093,38 @@
                 <a:ea typeface="+mj-ea"/>
                 <a:cs typeface="+mj-cs"/>
               </a:rPr>
-              <a:t>Despliegue del modelo</a:t>
+              <a:t>Despliegue</a:t>
             </a:r>
+            <a:r>
+              <a:rPr lang="en-US" sz="4100" b="1" kern="1200" dirty="0">
+                <a:solidFill>
+                  <a:schemeClr val="tx1"/>
+                </a:solidFill>
+                <a:latin typeface="+mj-lt"/>
+                <a:ea typeface="+mj-ea"/>
+                <a:cs typeface="+mj-cs"/>
+              </a:rPr>
+              <a:t> del </a:t>
+            </a:r>
+            <a:r>
+              <a:rPr lang="en-US" sz="4100" b="1" kern="1200" dirty="0" err="1">
+                <a:solidFill>
+                  <a:schemeClr val="tx1"/>
+                </a:solidFill>
+                <a:latin typeface="+mj-lt"/>
+                <a:ea typeface="+mj-ea"/>
+                <a:cs typeface="+mj-cs"/>
+              </a:rPr>
+              <a:t>modelo</a:t>
+            </a:r>
+            <a:endParaRPr lang="en-US" sz="4100" b="1" kern="1200" dirty="0">
+              <a:solidFill>
+                <a:schemeClr val="tx1"/>
+              </a:solidFill>
+              <a:latin typeface="+mj-lt"/>
+              <a:ea typeface="+mj-ea"/>
+              <a:cs typeface="+mj-cs"/>
+            </a:endParaRPr>
           </a:p>
         </p:txBody>
       </p:sp>
